--- a/backend/templates/ticket_template_roundtrip.pptx
+++ b/backend/templates/ticket_template_roundtrip.pptx
@@ -254,7 +254,7 @@
           <a:p>
             <a:fld id="{ECA8475D-D9BF-4C0A-9777-A572295EC9D6}" type="datetimeFigureOut">
               <a:rPr lang="en-US" smtClean="0"/>
-              <a:t>12/15/2025</a:t>
+              <a:t>12/23/2025</a:t>
             </a:fld>
             <a:endParaRPr lang="en-US"/>
           </a:p>
@@ -424,7 +424,7 @@
           <a:p>
             <a:fld id="{ECA8475D-D9BF-4C0A-9777-A572295EC9D6}" type="datetimeFigureOut">
               <a:rPr lang="en-US" smtClean="0"/>
-              <a:t>12/15/2025</a:t>
+              <a:t>12/23/2025</a:t>
             </a:fld>
             <a:endParaRPr lang="en-US"/>
           </a:p>
@@ -604,7 +604,7 @@
           <a:p>
             <a:fld id="{ECA8475D-D9BF-4C0A-9777-A572295EC9D6}" type="datetimeFigureOut">
               <a:rPr lang="en-US" smtClean="0"/>
-              <a:t>12/15/2025</a:t>
+              <a:t>12/23/2025</a:t>
             </a:fld>
             <a:endParaRPr lang="en-US"/>
           </a:p>
@@ -774,7 +774,7 @@
           <a:p>
             <a:fld id="{ECA8475D-D9BF-4C0A-9777-A572295EC9D6}" type="datetimeFigureOut">
               <a:rPr lang="en-US" smtClean="0"/>
-              <a:t>12/15/2025</a:t>
+              <a:t>12/23/2025</a:t>
             </a:fld>
             <a:endParaRPr lang="en-US"/>
           </a:p>
@@ -1020,7 +1020,7 @@
           <a:p>
             <a:fld id="{ECA8475D-D9BF-4C0A-9777-A572295EC9D6}" type="datetimeFigureOut">
               <a:rPr lang="en-US" smtClean="0"/>
-              <a:t>12/15/2025</a:t>
+              <a:t>12/23/2025</a:t>
             </a:fld>
             <a:endParaRPr lang="en-US"/>
           </a:p>
@@ -1252,7 +1252,7 @@
           <a:p>
             <a:fld id="{ECA8475D-D9BF-4C0A-9777-A572295EC9D6}" type="datetimeFigureOut">
               <a:rPr lang="en-US" smtClean="0"/>
-              <a:t>12/15/2025</a:t>
+              <a:t>12/23/2025</a:t>
             </a:fld>
             <a:endParaRPr lang="en-US"/>
           </a:p>
@@ -1619,7 +1619,7 @@
           <a:p>
             <a:fld id="{ECA8475D-D9BF-4C0A-9777-A572295EC9D6}" type="datetimeFigureOut">
               <a:rPr lang="en-US" smtClean="0"/>
-              <a:t>12/15/2025</a:t>
+              <a:t>12/23/2025</a:t>
             </a:fld>
             <a:endParaRPr lang="en-US"/>
           </a:p>
@@ -1737,7 +1737,7 @@
           <a:p>
             <a:fld id="{ECA8475D-D9BF-4C0A-9777-A572295EC9D6}" type="datetimeFigureOut">
               <a:rPr lang="en-US" smtClean="0"/>
-              <a:t>12/15/2025</a:t>
+              <a:t>12/23/2025</a:t>
             </a:fld>
             <a:endParaRPr lang="en-US"/>
           </a:p>
@@ -1832,7 +1832,7 @@
           <a:p>
             <a:fld id="{ECA8475D-D9BF-4C0A-9777-A572295EC9D6}" type="datetimeFigureOut">
               <a:rPr lang="en-US" smtClean="0"/>
-              <a:t>12/15/2025</a:t>
+              <a:t>12/23/2025</a:t>
             </a:fld>
             <a:endParaRPr lang="en-US"/>
           </a:p>
@@ -2109,7 +2109,7 @@
           <a:p>
             <a:fld id="{ECA8475D-D9BF-4C0A-9777-A572295EC9D6}" type="datetimeFigureOut">
               <a:rPr lang="en-US" smtClean="0"/>
-              <a:t>12/15/2025</a:t>
+              <a:t>12/23/2025</a:t>
             </a:fld>
             <a:endParaRPr lang="en-US"/>
           </a:p>
@@ -2366,7 +2366,7 @@
           <a:p>
             <a:fld id="{ECA8475D-D9BF-4C0A-9777-A572295EC9D6}" type="datetimeFigureOut">
               <a:rPr lang="en-US" smtClean="0"/>
-              <a:t>12/15/2025</a:t>
+              <a:t>12/23/2025</a:t>
             </a:fld>
             <a:endParaRPr lang="en-US"/>
           </a:p>
@@ -2579,7 +2579,7 @@
           <a:p>
             <a:fld id="{ECA8475D-D9BF-4C0A-9777-A572295EC9D6}" type="datetimeFigureOut">
               <a:rPr lang="en-US" smtClean="0"/>
-              <a:t>12/15/2025</a:t>
+              <a:t>12/23/2025</a:t>
             </a:fld>
             <a:endParaRPr lang="en-US"/>
           </a:p>
@@ -3242,8 +3242,8 @@
         </p:nvSpPr>
         <p:spPr>
           <a:xfrm>
-            <a:off x="4191575" y="1705853"/>
-            <a:ext cx="2475727" cy="261610"/>
+            <a:off x="3970891" y="1705853"/>
+            <a:ext cx="2696411" cy="261610"/>
           </a:xfrm>
           <a:prstGeom prst="rect">
             <a:avLst/>
@@ -3261,14 +3261,14 @@
                 <a:latin typeface="Arial" panose="020B0604020202020204" pitchFamily="34" charset="0"/>
                 <a:cs typeface="Arial" panose="020B0604020202020204" pitchFamily="34" charset="0"/>
               </a:rPr>
-              <a:t>TEL. 02-67393570 | FAX </a:t>
+              <a:t>TEL. 02-2666-0849 | FAX </a:t>
             </a:r>
             <a:r>
               <a:rPr lang="en-US" sz="1100" dirty="0">
                 <a:latin typeface="Arial" panose="020B0604020202020204" pitchFamily="34" charset="0"/>
                 <a:cs typeface="Arial" panose="020B0604020202020204" pitchFamily="34" charset="0"/>
               </a:rPr>
-              <a:t>02-67393570</a:t>
+              <a:t>02-2666-0848</a:t>
             </a:r>
           </a:p>
         </p:txBody>
@@ -3306,7 +3306,7 @@
                 <a:latin typeface="Arial" panose="020B0604020202020204" pitchFamily="34" charset="0"/>
                 <a:cs typeface="Arial" panose="020B0604020202020204" pitchFamily="34" charset="0"/>
               </a:rPr>
-              <a:t>https://apawebsite.com</a:t>
+              <a:t>https://korbang.com</a:t>
             </a:r>
             <a:endParaRPr lang="en-US" sz="1200" dirty="0">
               <a:latin typeface="Arial" panose="020B0604020202020204" pitchFamily="34" charset="0"/>
@@ -3557,7 +3557,21 @@
                 <a:latin typeface="Arial" panose="020B0604020202020204" pitchFamily="34" charset="0"/>
                 <a:cs typeface="Arial" panose="020B0604020202020204" pitchFamily="34" charset="0"/>
               </a:rPr>
-              <a:t>LVE6LDB</a:t>
+              <a:t>{{</a:t>
+            </a:r>
+            <a:r>
+              <a:rPr lang="en-US" sz="1200" dirty="0" err="1">
+                <a:latin typeface="Arial" panose="020B0604020202020204" pitchFamily="34" charset="0"/>
+                <a:cs typeface="Arial" panose="020B0604020202020204" pitchFamily="34" charset="0"/>
+              </a:rPr>
+              <a:t>PNR_Reference</a:t>
+            </a:r>
+            <a:r>
+              <a:rPr lang="en-US" sz="1200" dirty="0">
+                <a:latin typeface="Arial" panose="020B0604020202020204" pitchFamily="34" charset="0"/>
+                <a:cs typeface="Arial" panose="020B0604020202020204" pitchFamily="34" charset="0"/>
+              </a:rPr>
+              <a:t>}}</a:t>
             </a:r>
             <a:endParaRPr lang="en-US" sz="1600" dirty="0">
               <a:latin typeface="Arial" panose="020B0604020202020204" pitchFamily="34" charset="0"/>
@@ -3833,7 +3847,7 @@
                 <a:latin typeface="Arial" panose="020B0604020202020204" pitchFamily="34" charset="0"/>
                 <a:cs typeface="Arial" panose="020B0604020202020204" pitchFamily="34" charset="0"/>
               </a:rPr>
-              <a:t>{{PTN1_Date.1}}{{PTN1_Time.1}} (Local Time)</a:t>
+              <a:t>{{PTN1_Date.1}} {{PTN1_Time.1}} (Local Time)</a:t>
             </a:r>
             <a:endParaRPr lang="en-US" sz="1200" dirty="0">
               <a:latin typeface="Arial" panose="020B0604020202020204" pitchFamily="34" charset="0"/>
@@ -3857,7 +3871,7 @@
         <p:spPr>
           <a:xfrm>
             <a:off x="5398444" y="3829747"/>
-            <a:ext cx="1142999" cy="369332"/>
+            <a:ext cx="1142999" cy="923330"/>
           </a:xfrm>
           <a:prstGeom prst="rect">
             <a:avLst/>
@@ -3875,7 +3889,21 @@
                 <a:latin typeface="Arial" panose="020B0604020202020204" pitchFamily="34" charset="0"/>
                 <a:cs typeface="Arial" panose="020B0604020202020204" pitchFamily="34" charset="0"/>
               </a:rPr>
-              <a:t>TW171</a:t>
+              <a:t>{{</a:t>
+            </a:r>
+            <a:r>
+              <a:rPr lang="en-US" b="1" dirty="0" err="1">
+                <a:latin typeface="Arial" panose="020B0604020202020204" pitchFamily="34" charset="0"/>
+                <a:cs typeface="Arial" panose="020B0604020202020204" pitchFamily="34" charset="0"/>
+              </a:rPr>
+              <a:t>Flight_number</a:t>
+            </a:r>
+            <a:r>
+              <a:rPr lang="en-US" b="1" dirty="0">
+                <a:latin typeface="Arial" panose="020B0604020202020204" pitchFamily="34" charset="0"/>
+                <a:cs typeface="Arial" panose="020B0604020202020204" pitchFamily="34" charset="0"/>
+              </a:rPr>
+              <a:t>}}</a:t>
             </a:r>
           </a:p>
         </p:txBody>
@@ -4036,7 +4064,7 @@
                 <a:latin typeface="Arial" panose="020B0604020202020204" pitchFamily="34" charset="0"/>
                 <a:cs typeface="Arial" panose="020B0604020202020204" pitchFamily="34" charset="0"/>
               </a:rPr>
-              <a:t>Q (Economy)</a:t>
+              <a:t>Y (Economy)</a:t>
             </a:r>
             <a:endParaRPr lang="en-US" sz="1200" dirty="0">
               <a:latin typeface="Arial" panose="020B0604020202020204" pitchFamily="34" charset="0"/>
@@ -4078,7 +4106,7 @@
                 <a:latin typeface="Arial" panose="020B0604020202020204" pitchFamily="34" charset="0"/>
                 <a:cs typeface="Arial" panose="020B0604020202020204" pitchFamily="34" charset="0"/>
               </a:rPr>
-              <a:t>Check in Luggage: 26kg + 26kg</a:t>
+              <a:t>Check in Luggage: 23kg + 23kg</a:t>
             </a:r>
           </a:p>
         </p:txBody>
@@ -4308,7 +4336,7 @@
         <p:spPr>
           <a:xfrm>
             <a:off x="5781666" y="5211689"/>
-            <a:ext cx="503327" cy="230823"/>
+            <a:ext cx="902065" cy="230832"/>
           </a:xfrm>
           <a:prstGeom prst="rect">
             <a:avLst/>
@@ -4326,7 +4354,7 @@
                 <a:latin typeface="Arial" panose="020B0604020202020204" pitchFamily="34" charset="0"/>
                 <a:cs typeface="Arial" panose="020B0604020202020204" pitchFamily="34" charset="0"/>
               </a:rPr>
-              <a:t>6H</a:t>
+              <a:t>{{Fly_time_1}}</a:t>
             </a:r>
             <a:endParaRPr lang="en-US" sz="1200" dirty="0">
               <a:latin typeface="Arial" panose="020B0604020202020204" pitchFamily="34" charset="0"/>
@@ -4959,7 +4987,7 @@
                 <a:latin typeface="Arial" panose="020B0604020202020204" pitchFamily="34" charset="0"/>
                 <a:cs typeface="Arial" panose="020B0604020202020204" pitchFamily="34" charset="0"/>
               </a:rPr>
-              <a:t>Q (Economy)</a:t>
+              <a:t>Y (Economy)</a:t>
             </a:r>
             <a:endParaRPr lang="en-US" sz="1200" dirty="0">
               <a:latin typeface="Arial" panose="020B0604020202020204" pitchFamily="34" charset="0"/>
@@ -5001,7 +5029,7 @@
                 <a:latin typeface="Arial" panose="020B0604020202020204" pitchFamily="34" charset="0"/>
                 <a:cs typeface="Arial" panose="020B0604020202020204" pitchFamily="34" charset="0"/>
               </a:rPr>
-              <a:t>Check in Luggage: 26kg + 26kg</a:t>
+              <a:t>Check in Luggage: 23kg + 23kg</a:t>
             </a:r>
           </a:p>
         </p:txBody>
@@ -5273,7 +5301,7 @@
         <p:spPr>
           <a:xfrm>
             <a:off x="5768877" y="8376483"/>
-            <a:ext cx="503327" cy="230823"/>
+            <a:ext cx="1028739" cy="230832"/>
           </a:xfrm>
           <a:prstGeom prst="rect">
             <a:avLst/>
@@ -5291,7 +5319,7 @@
                 <a:latin typeface="Arial" panose="020B0604020202020204" pitchFamily="34" charset="0"/>
                 <a:cs typeface="Arial" panose="020B0604020202020204" pitchFamily="34" charset="0"/>
               </a:rPr>
-              <a:t>6H</a:t>
+              <a:t>{{Fly_time_2}}</a:t>
             </a:r>
             <a:endParaRPr lang="en-US" sz="1200" dirty="0">
               <a:latin typeface="Arial" panose="020B0604020202020204" pitchFamily="34" charset="0"/>
@@ -5319,6 +5347,13 @@
         </p:nvPicPr>
         <p:blipFill>
           <a:blip r:embed="rId4">
+            <a:duotone>
+              <a:prstClr val="black"/>
+              <a:schemeClr val="bg1">
+                <a:tint val="45000"/>
+                <a:satMod val="400000"/>
+              </a:schemeClr>
+            </a:duotone>
             <a:extLst>
               <a:ext uri="{28A0092B-C50C-407E-A947-70E740481C1C}">
                 <a14:useLocalDpi xmlns:a14="http://schemas.microsoft.com/office/drawing/2010/main" val="0"/>
@@ -5330,12 +5365,15 @@
         </p:blipFill>
         <p:spPr>
           <a:xfrm>
-            <a:off x="425723" y="596723"/>
-            <a:ext cx="740742" cy="449920"/>
+            <a:off x="531343" y="404053"/>
+            <a:ext cx="1052622" cy="613564"/>
           </a:xfrm>
           <a:prstGeom prst="rect">
             <a:avLst/>
           </a:prstGeom>
+          <a:solidFill>
+            <a:schemeClr val="bg1"/>
+          </a:solidFill>
         </p:spPr>
       </p:pic>
       <p:pic>
@@ -5389,7 +5427,7 @@
         <p:spPr>
           <a:xfrm>
             <a:off x="5466352" y="7191845"/>
-            <a:ext cx="1142999" cy="369332"/>
+            <a:ext cx="1142999" cy="923330"/>
           </a:xfrm>
           <a:prstGeom prst="rect">
             <a:avLst/>
@@ -5407,7 +5445,7 @@
                 <a:latin typeface="Arial" panose="020B0604020202020204" pitchFamily="34" charset="0"/>
                 <a:cs typeface="Arial" panose="020B0604020202020204" pitchFamily="34" charset="0"/>
               </a:rPr>
-              <a:t>TW172</a:t>
+              <a:t>{{Flight_number.1}}</a:t>
             </a:r>
           </a:p>
         </p:txBody>
@@ -5475,8 +5513,8 @@
         </p:blipFill>
         <p:spPr>
           <a:xfrm>
-            <a:off x="5383230" y="586689"/>
-            <a:ext cx="952462" cy="478877"/>
+            <a:off x="4776654" y="281717"/>
+            <a:ext cx="1559038" cy="783850"/>
           </a:xfrm>
           <a:prstGeom prst="rect">
             <a:avLst/>
@@ -5503,8 +5541,8 @@
         </p:nvSpPr>
         <p:spPr>
           <a:xfrm>
-            <a:off x="635995" y="9191474"/>
-            <a:ext cx="1128412" cy="253902"/>
+            <a:off x="510773" y="9500289"/>
+            <a:ext cx="3439548" cy="253916"/>
           </a:xfrm>
           <a:prstGeom prst="rect">
             <a:avLst/>
@@ -5522,7 +5560,7 @@
                 <a:latin typeface="Arial" panose="020B0604020202020204" pitchFamily="34" charset="0"/>
                 <a:cs typeface="Arial" panose="020B0604020202020204" pitchFamily="34" charset="0"/>
               </a:rPr>
-              <a:t>Extra Luggage :</a:t>
+              <a:t>* This Ticket is issued by Airline Chater Operator</a:t>
             </a:r>
             <a:endParaRPr lang="en-US" sz="1600" dirty="0">
               <a:latin typeface="Arial" panose="020B0604020202020204" pitchFamily="34" charset="0"/>
@@ -5545,7 +5583,7 @@
         </p:nvSpPr>
         <p:spPr>
           <a:xfrm>
-            <a:off x="1698265" y="9186758"/>
+            <a:off x="1574376" y="6006297"/>
             <a:ext cx="1640498" cy="276999"/>
           </a:xfrm>
           <a:prstGeom prst="rect">
@@ -5601,7 +5639,7 @@
         </p:nvSpPr>
         <p:spPr>
           <a:xfrm>
-            <a:off x="2163609" y="2537691"/>
+            <a:off x="1924051" y="2537691"/>
             <a:ext cx="1219192" cy="276999"/>
           </a:xfrm>
           <a:prstGeom prst="rect">
@@ -5636,6 +5674,146 @@
               </a:rPr>
               <a:t>}}</a:t>
             </a:r>
+          </a:p>
+        </p:txBody>
+      </p:sp>
+      <p:sp>
+        <p:nvSpPr>
+          <p:cNvPr id="47" name="TextBox 46">
+            <a:extLst>
+              <a:ext uri="{FF2B5EF4-FFF2-40B4-BE49-F238E27FC236}">
+                <a16:creationId xmlns:a16="http://schemas.microsoft.com/office/drawing/2014/main" id="{6DC42BB5-B78D-B354-5886-A1B6F3621347}"/>
+              </a:ext>
+            </a:extLst>
+          </p:cNvPr>
+          <p:cNvSpPr txBox="1"/>
+          <p:nvPr/>
+        </p:nvSpPr>
+        <p:spPr>
+          <a:xfrm>
+            <a:off x="532867" y="6019396"/>
+            <a:ext cx="1128412" cy="253902"/>
+          </a:xfrm>
+          <a:prstGeom prst="rect">
+            <a:avLst/>
+          </a:prstGeom>
+          <a:noFill/>
+        </p:spPr>
+        <p:txBody>
+          <a:bodyPr wrap="square" rtlCol="0">
+            <a:spAutoFit/>
+          </a:bodyPr>
+          <a:lstStyle/>
+          <a:p>
+            <a:r>
+              <a:rPr lang="en-US" sz="1050" dirty="0">
+                <a:latin typeface="Arial" panose="020B0604020202020204" pitchFamily="34" charset="0"/>
+                <a:cs typeface="Arial" panose="020B0604020202020204" pitchFamily="34" charset="0"/>
+              </a:rPr>
+              <a:t>Extra Luggage :</a:t>
+            </a:r>
+            <a:endParaRPr lang="en-US" sz="1600" dirty="0">
+              <a:latin typeface="Arial" panose="020B0604020202020204" pitchFamily="34" charset="0"/>
+              <a:cs typeface="Arial" panose="020B0604020202020204" pitchFamily="34" charset="0"/>
+            </a:endParaRPr>
+          </a:p>
+        </p:txBody>
+      </p:sp>
+      <p:sp>
+        <p:nvSpPr>
+          <p:cNvPr id="52" name="TextBox 51">
+            <a:extLst>
+              <a:ext uri="{FF2B5EF4-FFF2-40B4-BE49-F238E27FC236}">
+                <a16:creationId xmlns:a16="http://schemas.microsoft.com/office/drawing/2014/main" id="{ACEE9D08-6E2B-0D82-F740-17C7792C12E1}"/>
+              </a:ext>
+            </a:extLst>
+          </p:cNvPr>
+          <p:cNvSpPr txBox="1"/>
+          <p:nvPr/>
+        </p:nvSpPr>
+        <p:spPr>
+          <a:xfrm>
+            <a:off x="1601670" y="9188448"/>
+            <a:ext cx="1640498" cy="276999"/>
+          </a:xfrm>
+          <a:prstGeom prst="rect">
+            <a:avLst/>
+          </a:prstGeom>
+          <a:noFill/>
+        </p:spPr>
+        <p:txBody>
+          <a:bodyPr wrap="square" rtlCol="0">
+            <a:spAutoFit/>
+          </a:bodyPr>
+          <a:lstStyle/>
+          <a:p>
+            <a:r>
+              <a:rPr lang="en-US" sz="1050" dirty="0">
+                <a:latin typeface="Arial" panose="020B0604020202020204" pitchFamily="34" charset="0"/>
+                <a:cs typeface="Arial" panose="020B0604020202020204" pitchFamily="34" charset="0"/>
+              </a:rPr>
+              <a:t>23 kg  </a:t>
+            </a:r>
+            <a:r>
+              <a:rPr lang="en-US" sz="1200" dirty="0">
+                <a:latin typeface="Arial" panose="020B0604020202020204" pitchFamily="34" charset="0"/>
+                <a:cs typeface="Arial" panose="020B0604020202020204" pitchFamily="34" charset="0"/>
+              </a:rPr>
+              <a:t>× </a:t>
+            </a:r>
+            <a:r>
+              <a:rPr lang="en-US" sz="1050" dirty="0">
+                <a:latin typeface="Arial" panose="020B0604020202020204" pitchFamily="34" charset="0"/>
+                <a:cs typeface="Arial" panose="020B0604020202020204" pitchFamily="34" charset="0"/>
+              </a:rPr>
+              <a:t>{{EMD1}}</a:t>
+            </a:r>
+            <a:endParaRPr lang="en-US" sz="1600" dirty="0">
+              <a:latin typeface="Arial" panose="020B0604020202020204" pitchFamily="34" charset="0"/>
+              <a:cs typeface="Arial" panose="020B0604020202020204" pitchFamily="34" charset="0"/>
+            </a:endParaRPr>
+          </a:p>
+        </p:txBody>
+      </p:sp>
+      <p:sp>
+        <p:nvSpPr>
+          <p:cNvPr id="54" name="TextBox 53">
+            <a:extLst>
+              <a:ext uri="{FF2B5EF4-FFF2-40B4-BE49-F238E27FC236}">
+                <a16:creationId xmlns:a16="http://schemas.microsoft.com/office/drawing/2014/main" id="{FE279261-5A6B-A7F4-7927-65710FD4C70B}"/>
+              </a:ext>
+            </a:extLst>
+          </p:cNvPr>
+          <p:cNvSpPr txBox="1"/>
+          <p:nvPr/>
+        </p:nvSpPr>
+        <p:spPr>
+          <a:xfrm>
+            <a:off x="560161" y="9201547"/>
+            <a:ext cx="1128412" cy="253902"/>
+          </a:xfrm>
+          <a:prstGeom prst="rect">
+            <a:avLst/>
+          </a:prstGeom>
+          <a:noFill/>
+        </p:spPr>
+        <p:txBody>
+          <a:bodyPr wrap="square" rtlCol="0">
+            <a:spAutoFit/>
+          </a:bodyPr>
+          <a:lstStyle/>
+          <a:p>
+            <a:r>
+              <a:rPr lang="en-US" sz="1050" dirty="0">
+                <a:latin typeface="Arial" panose="020B0604020202020204" pitchFamily="34" charset="0"/>
+                <a:cs typeface="Arial" panose="020B0604020202020204" pitchFamily="34" charset="0"/>
+              </a:rPr>
+              <a:t>Extra Luggage :</a:t>
+            </a:r>
+            <a:endParaRPr lang="en-US" sz="1600" dirty="0">
+              <a:latin typeface="Arial" panose="020B0604020202020204" pitchFamily="34" charset="0"/>
+              <a:cs typeface="Arial" panose="020B0604020202020204" pitchFamily="34" charset="0"/>
+            </a:endParaRPr>
           </a:p>
         </p:txBody>
       </p:sp>

--- a/backend/templates/ticket_template_roundtrip.pptx
+++ b/backend/templates/ticket_template_roundtrip.pptx
@@ -254,7 +254,7 @@
           <a:p>
             <a:fld id="{ECA8475D-D9BF-4C0A-9777-A572295EC9D6}" type="datetimeFigureOut">
               <a:rPr lang="en-US" smtClean="0"/>
-              <a:t>12/23/2025</a:t>
+              <a:t>12/29/2025</a:t>
             </a:fld>
             <a:endParaRPr lang="en-US"/>
           </a:p>
@@ -424,7 +424,7 @@
           <a:p>
             <a:fld id="{ECA8475D-D9BF-4C0A-9777-A572295EC9D6}" type="datetimeFigureOut">
               <a:rPr lang="en-US" smtClean="0"/>
-              <a:t>12/23/2025</a:t>
+              <a:t>12/29/2025</a:t>
             </a:fld>
             <a:endParaRPr lang="en-US"/>
           </a:p>
@@ -604,7 +604,7 @@
           <a:p>
             <a:fld id="{ECA8475D-D9BF-4C0A-9777-A572295EC9D6}" type="datetimeFigureOut">
               <a:rPr lang="en-US" smtClean="0"/>
-              <a:t>12/23/2025</a:t>
+              <a:t>12/29/2025</a:t>
             </a:fld>
             <a:endParaRPr lang="en-US"/>
           </a:p>
@@ -774,7 +774,7 @@
           <a:p>
             <a:fld id="{ECA8475D-D9BF-4C0A-9777-A572295EC9D6}" type="datetimeFigureOut">
               <a:rPr lang="en-US" smtClean="0"/>
-              <a:t>12/23/2025</a:t>
+              <a:t>12/29/2025</a:t>
             </a:fld>
             <a:endParaRPr lang="en-US"/>
           </a:p>
@@ -1020,7 +1020,7 @@
           <a:p>
             <a:fld id="{ECA8475D-D9BF-4C0A-9777-A572295EC9D6}" type="datetimeFigureOut">
               <a:rPr lang="en-US" smtClean="0"/>
-              <a:t>12/23/2025</a:t>
+              <a:t>12/29/2025</a:t>
             </a:fld>
             <a:endParaRPr lang="en-US"/>
           </a:p>
@@ -1252,7 +1252,7 @@
           <a:p>
             <a:fld id="{ECA8475D-D9BF-4C0A-9777-A572295EC9D6}" type="datetimeFigureOut">
               <a:rPr lang="en-US" smtClean="0"/>
-              <a:t>12/23/2025</a:t>
+              <a:t>12/29/2025</a:t>
             </a:fld>
             <a:endParaRPr lang="en-US"/>
           </a:p>
@@ -1619,7 +1619,7 @@
           <a:p>
             <a:fld id="{ECA8475D-D9BF-4C0A-9777-A572295EC9D6}" type="datetimeFigureOut">
               <a:rPr lang="en-US" smtClean="0"/>
-              <a:t>12/23/2025</a:t>
+              <a:t>12/29/2025</a:t>
             </a:fld>
             <a:endParaRPr lang="en-US"/>
           </a:p>
@@ -1737,7 +1737,7 @@
           <a:p>
             <a:fld id="{ECA8475D-D9BF-4C0A-9777-A572295EC9D6}" type="datetimeFigureOut">
               <a:rPr lang="en-US" smtClean="0"/>
-              <a:t>12/23/2025</a:t>
+              <a:t>12/29/2025</a:t>
             </a:fld>
             <a:endParaRPr lang="en-US"/>
           </a:p>
@@ -1832,7 +1832,7 @@
           <a:p>
             <a:fld id="{ECA8475D-D9BF-4C0A-9777-A572295EC9D6}" type="datetimeFigureOut">
               <a:rPr lang="en-US" smtClean="0"/>
-              <a:t>12/23/2025</a:t>
+              <a:t>12/29/2025</a:t>
             </a:fld>
             <a:endParaRPr lang="en-US"/>
           </a:p>
@@ -2109,7 +2109,7 @@
           <a:p>
             <a:fld id="{ECA8475D-D9BF-4C0A-9777-A572295EC9D6}" type="datetimeFigureOut">
               <a:rPr lang="en-US" smtClean="0"/>
-              <a:t>12/23/2025</a:t>
+              <a:t>12/29/2025</a:t>
             </a:fld>
             <a:endParaRPr lang="en-US"/>
           </a:p>
@@ -2366,7 +2366,7 @@
           <a:p>
             <a:fld id="{ECA8475D-D9BF-4C0A-9777-A572295EC9D6}" type="datetimeFigureOut">
               <a:rPr lang="en-US" smtClean="0"/>
-              <a:t>12/23/2025</a:t>
+              <a:t>12/29/2025</a:t>
             </a:fld>
             <a:endParaRPr lang="en-US"/>
           </a:p>
@@ -2579,7 +2579,7 @@
           <a:p>
             <a:fld id="{ECA8475D-D9BF-4C0A-9777-A572295EC9D6}" type="datetimeFigureOut">
               <a:rPr lang="en-US" smtClean="0"/>
-              <a:t>12/23/2025</a:t>
+              <a:t>12/29/2025</a:t>
             </a:fld>
             <a:endParaRPr lang="en-US"/>
           </a:p>
@@ -3261,7 +3261,7 @@
                 <a:latin typeface="Arial" panose="020B0604020202020204" pitchFamily="34" charset="0"/>
                 <a:cs typeface="Arial" panose="020B0604020202020204" pitchFamily="34" charset="0"/>
               </a:rPr>
-              <a:t>TEL. 02-2666-0849 | FAX </a:t>
+              <a:t>TEL. 02-2666-0847 | FAX </a:t>
             </a:r>
             <a:r>
               <a:rPr lang="en-US" sz="1100" dirty="0">
@@ -3287,8 +3287,8 @@
         </p:nvSpPr>
         <p:spPr>
           <a:xfrm>
-            <a:off x="5090712" y="1977418"/>
-            <a:ext cx="1634335" cy="253916"/>
+            <a:off x="4776654" y="1977418"/>
+            <a:ext cx="1948393" cy="253916"/>
           </a:xfrm>
           <a:prstGeom prst="rect">
             <a:avLst/>
@@ -3306,7 +3306,7 @@
                 <a:latin typeface="Arial" panose="020B0604020202020204" pitchFamily="34" charset="0"/>
                 <a:cs typeface="Arial" panose="020B0604020202020204" pitchFamily="34" charset="0"/>
               </a:rPr>
-              <a:t>https://korbang.com</a:t>
+              <a:t>https://www.korbang.com</a:t>
             </a:r>
             <a:endParaRPr lang="en-US" sz="1200" dirty="0">
               <a:latin typeface="Arial" panose="020B0604020202020204" pitchFamily="34" charset="0"/>
@@ -4087,8 +4087,8 @@
         </p:nvSpPr>
         <p:spPr>
           <a:xfrm>
-            <a:off x="1378440" y="5403197"/>
-            <a:ext cx="2152584" cy="230832"/>
+            <a:off x="1378439" y="5403197"/>
+            <a:ext cx="2580061" cy="230832"/>
           </a:xfrm>
           <a:prstGeom prst="rect">
             <a:avLst/>
@@ -4106,7 +4106,7 @@
                 <a:latin typeface="Arial" panose="020B0604020202020204" pitchFamily="34" charset="0"/>
                 <a:cs typeface="Arial" panose="020B0604020202020204" pitchFamily="34" charset="0"/>
               </a:rPr>
-              <a:t>Check in Luggage: 23kg + 23kg</a:t>
+              <a:t>Check in Luggage: {{luggage}}</a:t>
             </a:r>
           </a:p>
         </p:txBody>
@@ -5029,7 +5029,7 @@
                 <a:latin typeface="Arial" panose="020B0604020202020204" pitchFamily="34" charset="0"/>
                 <a:cs typeface="Arial" panose="020B0604020202020204" pitchFamily="34" charset="0"/>
               </a:rPr>
-              <a:t>Check in Luggage: 23kg + 23kg</a:t>
+              <a:t>Check in Luggage: {{luggage}}</a:t>
             </a:r>
           </a:p>
         </p:txBody>
@@ -5560,7 +5560,7 @@
                 <a:latin typeface="Arial" panose="020B0604020202020204" pitchFamily="34" charset="0"/>
                 <a:cs typeface="Arial" panose="020B0604020202020204" pitchFamily="34" charset="0"/>
               </a:rPr>
-              <a:t>* This Ticket is issued by Airline Chater Operator</a:t>
+              <a:t>* This Ticket is issued by Airline Charter Operator</a:t>
             </a:r>
             <a:endParaRPr lang="en-US" sz="1600" dirty="0">
               <a:latin typeface="Arial" panose="020B0604020202020204" pitchFamily="34" charset="0"/>
@@ -5639,7 +5639,7 @@
         </p:nvSpPr>
         <p:spPr>
           <a:xfrm>
-            <a:off x="1924051" y="2537691"/>
+            <a:off x="1987551" y="2537691"/>
             <a:ext cx="1219192" cy="276999"/>
           </a:xfrm>
           <a:prstGeom prst="rect">

--- a/backend/templates/ticket_template_roundtrip.pptx
+++ b/backend/templates/ticket_template_roundtrip.pptx
@@ -254,7 +254,7 @@
           <a:p>
             <a:fld id="{ECA8475D-D9BF-4C0A-9777-A572295EC9D6}" type="datetimeFigureOut">
               <a:rPr lang="en-US" smtClean="0"/>
-              <a:t>12/29/2025</a:t>
+              <a:t>12/31/2025</a:t>
             </a:fld>
             <a:endParaRPr lang="en-US"/>
           </a:p>
@@ -424,7 +424,7 @@
           <a:p>
             <a:fld id="{ECA8475D-D9BF-4C0A-9777-A572295EC9D6}" type="datetimeFigureOut">
               <a:rPr lang="en-US" smtClean="0"/>
-              <a:t>12/29/2025</a:t>
+              <a:t>12/31/2025</a:t>
             </a:fld>
             <a:endParaRPr lang="en-US"/>
           </a:p>
@@ -604,7 +604,7 @@
           <a:p>
             <a:fld id="{ECA8475D-D9BF-4C0A-9777-A572295EC9D6}" type="datetimeFigureOut">
               <a:rPr lang="en-US" smtClean="0"/>
-              <a:t>12/29/2025</a:t>
+              <a:t>12/31/2025</a:t>
             </a:fld>
             <a:endParaRPr lang="en-US"/>
           </a:p>
@@ -774,7 +774,7 @@
           <a:p>
             <a:fld id="{ECA8475D-D9BF-4C0A-9777-A572295EC9D6}" type="datetimeFigureOut">
               <a:rPr lang="en-US" smtClean="0"/>
-              <a:t>12/29/2025</a:t>
+              <a:t>12/31/2025</a:t>
             </a:fld>
             <a:endParaRPr lang="en-US"/>
           </a:p>
@@ -1020,7 +1020,7 @@
           <a:p>
             <a:fld id="{ECA8475D-D9BF-4C0A-9777-A572295EC9D6}" type="datetimeFigureOut">
               <a:rPr lang="en-US" smtClean="0"/>
-              <a:t>12/29/2025</a:t>
+              <a:t>12/31/2025</a:t>
             </a:fld>
             <a:endParaRPr lang="en-US"/>
           </a:p>
@@ -1252,7 +1252,7 @@
           <a:p>
             <a:fld id="{ECA8475D-D9BF-4C0A-9777-A572295EC9D6}" type="datetimeFigureOut">
               <a:rPr lang="en-US" smtClean="0"/>
-              <a:t>12/29/2025</a:t>
+              <a:t>12/31/2025</a:t>
             </a:fld>
             <a:endParaRPr lang="en-US"/>
           </a:p>
@@ -1619,7 +1619,7 @@
           <a:p>
             <a:fld id="{ECA8475D-D9BF-4C0A-9777-A572295EC9D6}" type="datetimeFigureOut">
               <a:rPr lang="en-US" smtClean="0"/>
-              <a:t>12/29/2025</a:t>
+              <a:t>12/31/2025</a:t>
             </a:fld>
             <a:endParaRPr lang="en-US"/>
           </a:p>
@@ -1737,7 +1737,7 @@
           <a:p>
             <a:fld id="{ECA8475D-D9BF-4C0A-9777-A572295EC9D6}" type="datetimeFigureOut">
               <a:rPr lang="en-US" smtClean="0"/>
-              <a:t>12/29/2025</a:t>
+              <a:t>12/31/2025</a:t>
             </a:fld>
             <a:endParaRPr lang="en-US"/>
           </a:p>
@@ -1832,7 +1832,7 @@
           <a:p>
             <a:fld id="{ECA8475D-D9BF-4C0A-9777-A572295EC9D6}" type="datetimeFigureOut">
               <a:rPr lang="en-US" smtClean="0"/>
-              <a:t>12/29/2025</a:t>
+              <a:t>12/31/2025</a:t>
             </a:fld>
             <a:endParaRPr lang="en-US"/>
           </a:p>
@@ -2109,7 +2109,7 @@
           <a:p>
             <a:fld id="{ECA8475D-D9BF-4C0A-9777-A572295EC9D6}" type="datetimeFigureOut">
               <a:rPr lang="en-US" smtClean="0"/>
-              <a:t>12/29/2025</a:t>
+              <a:t>12/31/2025</a:t>
             </a:fld>
             <a:endParaRPr lang="en-US"/>
           </a:p>
@@ -2366,7 +2366,7 @@
           <a:p>
             <a:fld id="{ECA8475D-D9BF-4C0A-9777-A572295EC9D6}" type="datetimeFigureOut">
               <a:rPr lang="en-US" smtClean="0"/>
-              <a:t>12/29/2025</a:t>
+              <a:t>12/31/2025</a:t>
             </a:fld>
             <a:endParaRPr lang="en-US"/>
           </a:p>
@@ -2579,7 +2579,7 @@
           <a:p>
             <a:fld id="{ECA8475D-D9BF-4C0A-9777-A572295EC9D6}" type="datetimeFigureOut">
               <a:rPr lang="en-US" smtClean="0"/>
-              <a:t>12/29/2025</a:t>
+              <a:t>12/31/2025</a:t>
             </a:fld>
             <a:endParaRPr lang="en-US"/>
           </a:p>
@@ -4669,7 +4669,7 @@
                 <a:latin typeface="Arial" panose="020B0604020202020204" pitchFamily="34" charset="0"/>
                 <a:cs typeface="Arial" panose="020B0604020202020204" pitchFamily="34" charset="0"/>
               </a:rPr>
-              <a:t>{{PTN2_Date.1}}{{PTN2_Time.1}} (Local Time)</a:t>
+              <a:t>{{PTN2_Date.1}} {{PTN2_Time.1}} (Local Time)</a:t>
             </a:r>
             <a:endParaRPr lang="en-US" sz="1200" dirty="0">
               <a:latin typeface="Arial" panose="020B0604020202020204" pitchFamily="34" charset="0"/>

--- a/backend/templates/ticket_template_roundtrip.pptx
+++ b/backend/templates/ticket_template_roundtrip.pptx
@@ -254,7 +254,7 @@
           <a:p>
             <a:fld id="{ECA8475D-D9BF-4C0A-9777-A572295EC9D6}" type="datetimeFigureOut">
               <a:rPr lang="en-US" smtClean="0"/>
-              <a:t>12/31/2025</a:t>
+              <a:t>1/28/2026</a:t>
             </a:fld>
             <a:endParaRPr lang="en-US"/>
           </a:p>
@@ -424,7 +424,7 @@
           <a:p>
             <a:fld id="{ECA8475D-D9BF-4C0A-9777-A572295EC9D6}" type="datetimeFigureOut">
               <a:rPr lang="en-US" smtClean="0"/>
-              <a:t>12/31/2025</a:t>
+              <a:t>1/28/2026</a:t>
             </a:fld>
             <a:endParaRPr lang="en-US"/>
           </a:p>
@@ -604,7 +604,7 @@
           <a:p>
             <a:fld id="{ECA8475D-D9BF-4C0A-9777-A572295EC9D6}" type="datetimeFigureOut">
               <a:rPr lang="en-US" smtClean="0"/>
-              <a:t>12/31/2025</a:t>
+              <a:t>1/28/2026</a:t>
             </a:fld>
             <a:endParaRPr lang="en-US"/>
           </a:p>
@@ -774,7 +774,7 @@
           <a:p>
             <a:fld id="{ECA8475D-D9BF-4C0A-9777-A572295EC9D6}" type="datetimeFigureOut">
               <a:rPr lang="en-US" smtClean="0"/>
-              <a:t>12/31/2025</a:t>
+              <a:t>1/28/2026</a:t>
             </a:fld>
             <a:endParaRPr lang="en-US"/>
           </a:p>
@@ -1020,7 +1020,7 @@
           <a:p>
             <a:fld id="{ECA8475D-D9BF-4C0A-9777-A572295EC9D6}" type="datetimeFigureOut">
               <a:rPr lang="en-US" smtClean="0"/>
-              <a:t>12/31/2025</a:t>
+              <a:t>1/28/2026</a:t>
             </a:fld>
             <a:endParaRPr lang="en-US"/>
           </a:p>
@@ -1252,7 +1252,7 @@
           <a:p>
             <a:fld id="{ECA8475D-D9BF-4C0A-9777-A572295EC9D6}" type="datetimeFigureOut">
               <a:rPr lang="en-US" smtClean="0"/>
-              <a:t>12/31/2025</a:t>
+              <a:t>1/28/2026</a:t>
             </a:fld>
             <a:endParaRPr lang="en-US"/>
           </a:p>
@@ -1619,7 +1619,7 @@
           <a:p>
             <a:fld id="{ECA8475D-D9BF-4C0A-9777-A572295EC9D6}" type="datetimeFigureOut">
               <a:rPr lang="en-US" smtClean="0"/>
-              <a:t>12/31/2025</a:t>
+              <a:t>1/28/2026</a:t>
             </a:fld>
             <a:endParaRPr lang="en-US"/>
           </a:p>
@@ -1737,7 +1737,7 @@
           <a:p>
             <a:fld id="{ECA8475D-D9BF-4C0A-9777-A572295EC9D6}" type="datetimeFigureOut">
               <a:rPr lang="en-US" smtClean="0"/>
-              <a:t>12/31/2025</a:t>
+              <a:t>1/28/2026</a:t>
             </a:fld>
             <a:endParaRPr lang="en-US"/>
           </a:p>
@@ -1832,7 +1832,7 @@
           <a:p>
             <a:fld id="{ECA8475D-D9BF-4C0A-9777-A572295EC9D6}" type="datetimeFigureOut">
               <a:rPr lang="en-US" smtClean="0"/>
-              <a:t>12/31/2025</a:t>
+              <a:t>1/28/2026</a:t>
             </a:fld>
             <a:endParaRPr lang="en-US"/>
           </a:p>
@@ -2109,7 +2109,7 @@
           <a:p>
             <a:fld id="{ECA8475D-D9BF-4C0A-9777-A572295EC9D6}" type="datetimeFigureOut">
               <a:rPr lang="en-US" smtClean="0"/>
-              <a:t>12/31/2025</a:t>
+              <a:t>1/28/2026</a:t>
             </a:fld>
             <a:endParaRPr lang="en-US"/>
           </a:p>
@@ -2366,7 +2366,7 @@
           <a:p>
             <a:fld id="{ECA8475D-D9BF-4C0A-9777-A572295EC9D6}" type="datetimeFigureOut">
               <a:rPr lang="en-US" smtClean="0"/>
-              <a:t>12/31/2025</a:t>
+              <a:t>1/28/2026</a:t>
             </a:fld>
             <a:endParaRPr lang="en-US"/>
           </a:p>
@@ -2579,7 +2579,7 @@
           <a:p>
             <a:fld id="{ECA8475D-D9BF-4C0A-9777-A572295EC9D6}" type="datetimeFigureOut">
               <a:rPr lang="en-US" smtClean="0"/>
-              <a:t>12/31/2025</a:t>
+              <a:t>1/28/2026</a:t>
             </a:fld>
             <a:endParaRPr lang="en-US"/>
           </a:p>
@@ -3403,8 +3403,8 @@
         </p:nvSpPr>
         <p:spPr>
           <a:xfrm>
-            <a:off x="312819" y="2441586"/>
-            <a:ext cx="2095501" cy="438582"/>
+            <a:off x="318076" y="2389208"/>
+            <a:ext cx="2399206" cy="253916"/>
           </a:xfrm>
           <a:prstGeom prst="rect">
             <a:avLst/>
@@ -3422,35 +3422,22 @@
                 <a:latin typeface="Arial" panose="020B0604020202020204" pitchFamily="34" charset="0"/>
                 <a:cs typeface="Arial" panose="020B0604020202020204" pitchFamily="34" charset="0"/>
               </a:rPr>
-              <a:t>Passenger Name</a:t>
-            </a:r>
-          </a:p>
-          <a:p>
-            <a:r>
-              <a:rPr lang="en-US" sz="1200" dirty="0">
-                <a:latin typeface="Arial" panose="020B0604020202020204" pitchFamily="34" charset="0"/>
-                <a:cs typeface="Arial" panose="020B0604020202020204" pitchFamily="34" charset="0"/>
-              </a:rPr>
-              <a:t>{{</a:t>
-            </a:r>
-            <a:r>
-              <a:rPr lang="en-US" sz="1200" dirty="0" err="1">
-                <a:latin typeface="Arial" panose="020B0604020202020204" pitchFamily="34" charset="0"/>
-                <a:cs typeface="Arial" panose="020B0604020202020204" pitchFamily="34" charset="0"/>
-              </a:rPr>
-              <a:t>PAX_name</a:t>
-            </a:r>
-            <a:r>
-              <a:rPr lang="en-US" sz="1200" dirty="0">
+              <a:t>Passenger Name / {{</a:t>
+            </a:r>
+            <a:r>
+              <a:rPr lang="en-US" sz="1050" dirty="0" err="1">
+                <a:latin typeface="Arial" panose="020B0604020202020204" pitchFamily="34" charset="0"/>
+                <a:cs typeface="Arial" panose="020B0604020202020204" pitchFamily="34" charset="0"/>
+              </a:rPr>
+              <a:t>Ticket_Type</a:t>
+            </a:r>
+            <a:r>
+              <a:rPr lang="en-US" sz="1050" dirty="0">
                 <a:latin typeface="Arial" panose="020B0604020202020204" pitchFamily="34" charset="0"/>
                 <a:cs typeface="Arial" panose="020B0604020202020204" pitchFamily="34" charset="0"/>
               </a:rPr>
               <a:t>}}</a:t>
             </a:r>
-            <a:endParaRPr lang="en-US" sz="1600" dirty="0">
-              <a:latin typeface="Arial" panose="020B0604020202020204" pitchFamily="34" charset="0"/>
-              <a:cs typeface="Arial" panose="020B0604020202020204" pitchFamily="34" charset="0"/>
-            </a:endParaRPr>
           </a:p>
         </p:txBody>
       </p:sp>
@@ -3468,7 +3455,7 @@
         </p:nvSpPr>
         <p:spPr>
           <a:xfrm>
-            <a:off x="3499397" y="2436066"/>
+            <a:off x="2864845" y="2398535"/>
             <a:ext cx="1883833" cy="438582"/>
           </a:xfrm>
           <a:prstGeom prst="rect">
@@ -3492,21 +3479,21 @@
           </a:p>
           <a:p>
             <a:r>
-              <a:rPr lang="en-US" sz="1200" dirty="0">
+              <a:rPr lang="en-US" sz="1100" dirty="0">
                 <a:latin typeface="Arial" panose="020B0604020202020204" pitchFamily="34" charset="0"/>
                 <a:cs typeface="Arial" panose="020B0604020202020204" pitchFamily="34" charset="0"/>
               </a:rPr>
               <a:t>{{</a:t>
             </a:r>
             <a:r>
-              <a:rPr lang="en-US" sz="1200" dirty="0" err="1">
+              <a:rPr lang="en-US" sz="1100" dirty="0" err="1">
                 <a:latin typeface="Arial" panose="020B0604020202020204" pitchFamily="34" charset="0"/>
                 <a:cs typeface="Arial" panose="020B0604020202020204" pitchFamily="34" charset="0"/>
               </a:rPr>
               <a:t>Ticket_Number</a:t>
             </a:r>
             <a:r>
-              <a:rPr lang="en-US" sz="1200" dirty="0">
+              <a:rPr lang="en-US" sz="1100" dirty="0">
                 <a:latin typeface="Arial" panose="020B0604020202020204" pitchFamily="34" charset="0"/>
                 <a:cs typeface="Arial" panose="020B0604020202020204" pitchFamily="34" charset="0"/>
               </a:rPr>
@@ -3529,7 +3516,7 @@
         </p:nvSpPr>
         <p:spPr>
           <a:xfrm>
-            <a:off x="5142270" y="2448045"/>
+            <a:off x="5011956" y="2385357"/>
             <a:ext cx="1655346" cy="438582"/>
           </a:xfrm>
           <a:prstGeom prst="rect">
@@ -3553,27 +3540,27 @@
           </a:p>
           <a:p>
             <a:r>
-              <a:rPr lang="en-US" sz="1200" dirty="0">
+              <a:rPr lang="en-US" sz="1100" dirty="0">
                 <a:latin typeface="Arial" panose="020B0604020202020204" pitchFamily="34" charset="0"/>
                 <a:cs typeface="Arial" panose="020B0604020202020204" pitchFamily="34" charset="0"/>
               </a:rPr>
               <a:t>{{</a:t>
             </a:r>
             <a:r>
-              <a:rPr lang="en-US" sz="1200" dirty="0" err="1">
+              <a:rPr lang="en-US" sz="1100" dirty="0" err="1">
                 <a:latin typeface="Arial" panose="020B0604020202020204" pitchFamily="34" charset="0"/>
                 <a:cs typeface="Arial" panose="020B0604020202020204" pitchFamily="34" charset="0"/>
               </a:rPr>
               <a:t>PNR_Reference</a:t>
             </a:r>
             <a:r>
-              <a:rPr lang="en-US" sz="1200" dirty="0">
+              <a:rPr lang="en-US" sz="1100" dirty="0">
                 <a:latin typeface="Arial" panose="020B0604020202020204" pitchFamily="34" charset="0"/>
                 <a:cs typeface="Arial" panose="020B0604020202020204" pitchFamily="34" charset="0"/>
               </a:rPr>
               <a:t>}}</a:t>
             </a:r>
-            <a:endParaRPr lang="en-US" sz="1600" dirty="0">
+            <a:endParaRPr lang="en-US" sz="1400" dirty="0">
               <a:latin typeface="Arial" panose="020B0604020202020204" pitchFamily="34" charset="0"/>
               <a:cs typeface="Arial" panose="020B0604020202020204" pitchFamily="34" charset="0"/>
             </a:endParaRPr>
@@ -4861,7 +4848,143 @@
                 <a:latin typeface="Arial" panose="020B0604020202020204" pitchFamily="34" charset="0"/>
                 <a:cs typeface="Arial" panose="020B0604020202020204" pitchFamily="34" charset="0"/>
               </a:rPr>
-              <a:t>Cabin Luggage : 10kg</a:t>
+              <a:t>{{</a:t>
+            </a:r>
+            <a:r>
+              <a:rPr lang="en-US" sz="900" dirty="0" err="1">
+                <a:latin typeface="Arial" panose="020B0604020202020204" pitchFamily="34" charset="0"/>
+                <a:cs typeface="Arial" panose="020B0604020202020204" pitchFamily="34" charset="0"/>
+              </a:rPr>
+              <a:t>Cabin_luggage</a:t>
+            </a:r>
+            <a:r>
+              <a:rPr lang="en-US" sz="900" dirty="0">
+                <a:latin typeface="Arial" panose="020B0604020202020204" pitchFamily="34" charset="0"/>
+                <a:cs typeface="Arial" panose="020B0604020202020204" pitchFamily="34" charset="0"/>
+              </a:rPr>
+              <a:t>}}</a:t>
+            </a:r>
+          </a:p>
+        </p:txBody>
+      </p:sp>
+      <p:sp>
+        <p:nvSpPr>
+          <p:cNvPr id="13" name="TextBox 12">
+            <a:extLst>
+              <a:ext uri="{FF2B5EF4-FFF2-40B4-BE49-F238E27FC236}">
+                <a16:creationId xmlns:a16="http://schemas.microsoft.com/office/drawing/2014/main" id="{B433C04C-8592-6A52-5459-FB74612BD163}"/>
+              </a:ext>
+            </a:extLst>
+          </p:cNvPr>
+          <p:cNvSpPr txBox="1"/>
+          <p:nvPr/>
+        </p:nvSpPr>
+        <p:spPr>
+          <a:xfrm>
+            <a:off x="617991" y="8102365"/>
+            <a:ext cx="902065" cy="253916"/>
+          </a:xfrm>
+          <a:prstGeom prst="rect">
+            <a:avLst/>
+          </a:prstGeom>
+          <a:noFill/>
+        </p:spPr>
+        <p:txBody>
+          <a:bodyPr wrap="square" rtlCol="0">
+            <a:spAutoFit/>
+          </a:bodyPr>
+          <a:lstStyle/>
+          <a:p>
+            <a:r>
+              <a:rPr lang="en-US" sz="1050" dirty="0">
+                <a:latin typeface="Arial" panose="020B0604020202020204" pitchFamily="34" charset="0"/>
+                <a:cs typeface="Arial" panose="020B0604020202020204" pitchFamily="34" charset="0"/>
+              </a:rPr>
+              <a:t>Class :</a:t>
+            </a:r>
+            <a:endParaRPr lang="en-US" sz="1600" dirty="0">
+              <a:latin typeface="Arial" panose="020B0604020202020204" pitchFamily="34" charset="0"/>
+              <a:cs typeface="Arial" panose="020B0604020202020204" pitchFamily="34" charset="0"/>
+            </a:endParaRPr>
+          </a:p>
+        </p:txBody>
+      </p:sp>
+      <p:sp>
+        <p:nvSpPr>
+          <p:cNvPr id="14" name="TextBox 13">
+            <a:extLst>
+              <a:ext uri="{FF2B5EF4-FFF2-40B4-BE49-F238E27FC236}">
+                <a16:creationId xmlns:a16="http://schemas.microsoft.com/office/drawing/2014/main" id="{664CA806-6F55-19BC-1D7D-DEC4E2E2FCFA}"/>
+              </a:ext>
+            </a:extLst>
+          </p:cNvPr>
+          <p:cNvSpPr txBox="1"/>
+          <p:nvPr/>
+        </p:nvSpPr>
+        <p:spPr>
+          <a:xfrm>
+            <a:off x="617991" y="8532709"/>
+            <a:ext cx="902065" cy="253916"/>
+          </a:xfrm>
+          <a:prstGeom prst="rect">
+            <a:avLst/>
+          </a:prstGeom>
+          <a:noFill/>
+        </p:spPr>
+        <p:txBody>
+          <a:bodyPr wrap="square" rtlCol="0">
+            <a:spAutoFit/>
+          </a:bodyPr>
+          <a:lstStyle/>
+          <a:p>
+            <a:r>
+              <a:rPr lang="en-US" sz="1050" dirty="0">
+                <a:latin typeface="Arial" panose="020B0604020202020204" pitchFamily="34" charset="0"/>
+                <a:cs typeface="Arial" panose="020B0604020202020204" pitchFamily="34" charset="0"/>
+              </a:rPr>
+              <a:t>Baggage :</a:t>
+            </a:r>
+            <a:endParaRPr lang="en-US" sz="1600" dirty="0">
+              <a:latin typeface="Arial" panose="020B0604020202020204" pitchFamily="34" charset="0"/>
+              <a:cs typeface="Arial" panose="020B0604020202020204" pitchFamily="34" charset="0"/>
+            </a:endParaRPr>
+          </a:p>
+        </p:txBody>
+      </p:sp>
+      <p:sp>
+        <p:nvSpPr>
+          <p:cNvPr id="15" name="TextBox 14">
+            <a:extLst>
+              <a:ext uri="{FF2B5EF4-FFF2-40B4-BE49-F238E27FC236}">
+                <a16:creationId xmlns:a16="http://schemas.microsoft.com/office/drawing/2014/main" id="{449A3249-6E74-5503-7F0A-693FD230C090}"/>
+              </a:ext>
+            </a:extLst>
+          </p:cNvPr>
+          <p:cNvSpPr txBox="1"/>
+          <p:nvPr/>
+        </p:nvSpPr>
+        <p:spPr>
+          <a:xfrm>
+            <a:off x="1390463" y="8115203"/>
+            <a:ext cx="1125560" cy="230832"/>
+          </a:xfrm>
+          <a:prstGeom prst="rect">
+            <a:avLst/>
+          </a:prstGeom>
+          <a:noFill/>
+        </p:spPr>
+        <p:txBody>
+          <a:bodyPr wrap="square" rtlCol="0">
+            <a:spAutoFit/>
+          </a:bodyPr>
+          <a:lstStyle/>
+          <a:p>
+            <a:r>
+              <a:rPr lang="en-US" sz="900" dirty="0">
+                <a:latin typeface="Arial" panose="020B0604020202020204" pitchFamily="34" charset="0"/>
+                <a:cs typeface="Arial" panose="020B0604020202020204" pitchFamily="34" charset="0"/>
+              </a:rPr>
+              <a:t>Y (Economy)</a:t>
             </a:r>
             <a:endParaRPr lang="en-US" sz="1200" dirty="0">
               <a:latin typeface="Arial" panose="020B0604020202020204" pitchFamily="34" charset="0"/>
@@ -4872,10 +4995,10 @@
       </p:sp>
       <p:sp>
         <p:nvSpPr>
-          <p:cNvPr id="13" name="TextBox 12">
-            <a:extLst>
-              <a:ext uri="{FF2B5EF4-FFF2-40B4-BE49-F238E27FC236}">
-                <a16:creationId xmlns:a16="http://schemas.microsoft.com/office/drawing/2014/main" id="{B433C04C-8592-6A52-5459-FB74612BD163}"/>
+          <p:cNvPr id="24" name="TextBox 23">
+            <a:extLst>
+              <a:ext uri="{FF2B5EF4-FFF2-40B4-BE49-F238E27FC236}">
+                <a16:creationId xmlns:a16="http://schemas.microsoft.com/office/drawing/2014/main" id="{44B20194-6BD2-7A2D-EB12-406A1D2E8717}"/>
               </a:ext>
             </a:extLst>
           </p:cNvPr>
@@ -4884,8 +5007,8 @@
         </p:nvSpPr>
         <p:spPr>
           <a:xfrm>
-            <a:off x="617991" y="8102365"/>
-            <a:ext cx="902065" cy="253916"/>
+            <a:off x="1378440" y="8566053"/>
+            <a:ext cx="2152584" cy="230832"/>
           </a:xfrm>
           <a:prstGeom prst="rect">
             <a:avLst/>
@@ -4899,11 +5022,49 @@
           <a:lstStyle/>
           <a:p>
             <a:r>
+              <a:rPr lang="en-US" sz="900" dirty="0">
+                <a:latin typeface="Arial" panose="020B0604020202020204" pitchFamily="34" charset="0"/>
+                <a:cs typeface="Arial" panose="020B0604020202020204" pitchFamily="34" charset="0"/>
+              </a:rPr>
+              <a:t>Check in Luggage: {{luggage}}</a:t>
+            </a:r>
+          </a:p>
+        </p:txBody>
+      </p:sp>
+      <p:sp>
+        <p:nvSpPr>
+          <p:cNvPr id="25" name="TextBox 24">
+            <a:extLst>
+              <a:ext uri="{FF2B5EF4-FFF2-40B4-BE49-F238E27FC236}">
+                <a16:creationId xmlns:a16="http://schemas.microsoft.com/office/drawing/2014/main" id="{13A6EA3C-AD8D-C343-B7BA-82950E183D16}"/>
+              </a:ext>
+            </a:extLst>
+          </p:cNvPr>
+          <p:cNvSpPr txBox="1"/>
+          <p:nvPr/>
+        </p:nvSpPr>
+        <p:spPr>
+          <a:xfrm>
+            <a:off x="3156560" y="8122567"/>
+            <a:ext cx="659738" cy="253916"/>
+          </a:xfrm>
+          <a:prstGeom prst="rect">
+            <a:avLst/>
+          </a:prstGeom>
+          <a:noFill/>
+        </p:spPr>
+        <p:txBody>
+          <a:bodyPr wrap="square" rtlCol="0">
+            <a:spAutoFit/>
+          </a:bodyPr>
+          <a:lstStyle/>
+          <a:p>
+            <a:r>
               <a:rPr lang="en-US" sz="1050" dirty="0">
                 <a:latin typeface="Arial" panose="020B0604020202020204" pitchFamily="34" charset="0"/>
                 <a:cs typeface="Arial" panose="020B0604020202020204" pitchFamily="34" charset="0"/>
               </a:rPr>
-              <a:t>Class :</a:t>
+              <a:t>Status :</a:t>
             </a:r>
             <a:endParaRPr lang="en-US" sz="1600" dirty="0">
               <a:latin typeface="Arial" panose="020B0604020202020204" pitchFamily="34" charset="0"/>
@@ -4914,10 +5075,10 @@
       </p:sp>
       <p:sp>
         <p:nvSpPr>
-          <p:cNvPr id="14" name="TextBox 13">
-            <a:extLst>
-              <a:ext uri="{FF2B5EF4-FFF2-40B4-BE49-F238E27FC236}">
-                <a16:creationId xmlns:a16="http://schemas.microsoft.com/office/drawing/2014/main" id="{664CA806-6F55-19BC-1D7D-DEC4E2E2FCFA}"/>
+          <p:cNvPr id="26" name="TextBox 25">
+            <a:extLst>
+              <a:ext uri="{FF2B5EF4-FFF2-40B4-BE49-F238E27FC236}">
+                <a16:creationId xmlns:a16="http://schemas.microsoft.com/office/drawing/2014/main" id="{574684BE-CE6A-548D-5EA4-AB0910F14495}"/>
               </a:ext>
             </a:extLst>
           </p:cNvPr>
@@ -4926,7 +5087,7 @@
         </p:nvSpPr>
         <p:spPr>
           <a:xfrm>
-            <a:off x="617991" y="8532709"/>
+            <a:off x="3187175" y="8641114"/>
             <a:ext cx="902065" cy="253916"/>
           </a:xfrm>
           <a:prstGeom prst="rect">
@@ -4945,7 +5106,7 @@
                 <a:latin typeface="Arial" panose="020B0604020202020204" pitchFamily="34" charset="0"/>
                 <a:cs typeface="Arial" panose="020B0604020202020204" pitchFamily="34" charset="0"/>
               </a:rPr>
-              <a:t>Baggage :</a:t>
+              <a:t>Aircraft :</a:t>
             </a:r>
             <a:endParaRPr lang="en-US" sz="1600" dirty="0">
               <a:latin typeface="Arial" panose="020B0604020202020204" pitchFamily="34" charset="0"/>
@@ -4956,10 +5117,10 @@
       </p:sp>
       <p:sp>
         <p:nvSpPr>
-          <p:cNvPr id="15" name="TextBox 14">
-            <a:extLst>
-              <a:ext uri="{FF2B5EF4-FFF2-40B4-BE49-F238E27FC236}">
-                <a16:creationId xmlns:a16="http://schemas.microsoft.com/office/drawing/2014/main" id="{449A3249-6E74-5503-7F0A-693FD230C090}"/>
+          <p:cNvPr id="29" name="TextBox 28">
+            <a:extLst>
+              <a:ext uri="{FF2B5EF4-FFF2-40B4-BE49-F238E27FC236}">
+                <a16:creationId xmlns:a16="http://schemas.microsoft.com/office/drawing/2014/main" id="{C8049081-09EE-2B0C-8DBD-C84E445456C4}"/>
               </a:ext>
             </a:extLst>
           </p:cNvPr>
@@ -4968,8 +5129,8 @@
         </p:nvSpPr>
         <p:spPr>
           <a:xfrm>
-            <a:off x="1390463" y="8115203"/>
-            <a:ext cx="1125560" cy="230832"/>
+            <a:off x="3958501" y="8160112"/>
+            <a:ext cx="1125560" cy="230833"/>
           </a:xfrm>
           <a:prstGeom prst="rect">
             <a:avLst/>
@@ -4987,7 +5148,7 @@
                 <a:latin typeface="Arial" panose="020B0604020202020204" pitchFamily="34" charset="0"/>
                 <a:cs typeface="Arial" panose="020B0604020202020204" pitchFamily="34" charset="0"/>
               </a:rPr>
-              <a:t>Y (Economy)</a:t>
+              <a:t>OK(Confirmed)</a:t>
             </a:r>
             <a:endParaRPr lang="en-US" sz="1200" dirty="0">
               <a:latin typeface="Arial" panose="020B0604020202020204" pitchFamily="34" charset="0"/>
@@ -4998,10 +5159,10 @@
       </p:sp>
       <p:sp>
         <p:nvSpPr>
-          <p:cNvPr id="24" name="TextBox 23">
-            <a:extLst>
-              <a:ext uri="{FF2B5EF4-FFF2-40B4-BE49-F238E27FC236}">
-                <a16:creationId xmlns:a16="http://schemas.microsoft.com/office/drawing/2014/main" id="{44B20194-6BD2-7A2D-EB12-406A1D2E8717}"/>
+          <p:cNvPr id="33" name="TextBox 32">
+            <a:extLst>
+              <a:ext uri="{FF2B5EF4-FFF2-40B4-BE49-F238E27FC236}">
+                <a16:creationId xmlns:a16="http://schemas.microsoft.com/office/drawing/2014/main" id="{8F814573-09C4-3EA9-355B-FD5FF41416BE}"/>
               </a:ext>
             </a:extLst>
           </p:cNvPr>
@@ -5010,8 +5171,8 @@
         </p:nvSpPr>
         <p:spPr>
           <a:xfrm>
-            <a:off x="1378440" y="8566053"/>
-            <a:ext cx="2152584" cy="230832"/>
+            <a:off x="3958501" y="8667270"/>
+            <a:ext cx="969651" cy="230832"/>
           </a:xfrm>
           <a:prstGeom prst="rect">
             <a:avLst/>
@@ -5029,17 +5190,21 @@
                 <a:latin typeface="Arial" panose="020B0604020202020204" pitchFamily="34" charset="0"/>
                 <a:cs typeface="Arial" panose="020B0604020202020204" pitchFamily="34" charset="0"/>
               </a:rPr>
-              <a:t>Check in Luggage: {{luggage}}</a:t>
-            </a:r>
-          </a:p>
-        </p:txBody>
-      </p:sp>
-      <p:sp>
-        <p:nvSpPr>
-          <p:cNvPr id="25" name="TextBox 24">
-            <a:extLst>
-              <a:ext uri="{FF2B5EF4-FFF2-40B4-BE49-F238E27FC236}">
-                <a16:creationId xmlns:a16="http://schemas.microsoft.com/office/drawing/2014/main" id="{13A6EA3C-AD8D-C343-B7BA-82950E183D16}"/>
+              <a:t>BOEING 737-8</a:t>
+            </a:r>
+            <a:endParaRPr lang="en-US" sz="1200" dirty="0">
+              <a:latin typeface="Arial" panose="020B0604020202020204" pitchFamily="34" charset="0"/>
+              <a:cs typeface="Arial" panose="020B0604020202020204" pitchFamily="34" charset="0"/>
+            </a:endParaRPr>
+          </a:p>
+        </p:txBody>
+      </p:sp>
+      <p:sp>
+        <p:nvSpPr>
+          <p:cNvPr id="35" name="TextBox 34">
+            <a:extLst>
+              <a:ext uri="{FF2B5EF4-FFF2-40B4-BE49-F238E27FC236}">
+                <a16:creationId xmlns:a16="http://schemas.microsoft.com/office/drawing/2014/main" id="{0E9CA9A9-D13E-A151-4A49-6358EB7F91AF}"/>
               </a:ext>
             </a:extLst>
           </p:cNvPr>
@@ -5048,8 +5213,8 @@
         </p:nvSpPr>
         <p:spPr>
           <a:xfrm>
-            <a:off x="3156560" y="8122567"/>
-            <a:ext cx="659738" cy="253916"/>
+            <a:off x="5000293" y="8357454"/>
+            <a:ext cx="969651" cy="253916"/>
           </a:xfrm>
           <a:prstGeom prst="rect">
             <a:avLst/>
@@ -5067,7 +5232,7 @@
                 <a:latin typeface="Arial" panose="020B0604020202020204" pitchFamily="34" charset="0"/>
                 <a:cs typeface="Arial" panose="020B0604020202020204" pitchFamily="34" charset="0"/>
               </a:rPr>
-              <a:t>Status :</a:t>
+              <a:t>Flight Time :</a:t>
             </a:r>
             <a:endParaRPr lang="en-US" sz="1600" dirty="0">
               <a:latin typeface="Arial" panose="020B0604020202020204" pitchFamily="34" charset="0"/>
@@ -5078,10 +5243,10 @@
       </p:sp>
       <p:sp>
         <p:nvSpPr>
-          <p:cNvPr id="26" name="TextBox 25">
-            <a:extLst>
-              <a:ext uri="{FF2B5EF4-FFF2-40B4-BE49-F238E27FC236}">
-                <a16:creationId xmlns:a16="http://schemas.microsoft.com/office/drawing/2014/main" id="{574684BE-CE6A-548D-5EA4-AB0910F14495}"/>
+          <p:cNvPr id="40" name="TextBox 39">
+            <a:extLst>
+              <a:ext uri="{FF2B5EF4-FFF2-40B4-BE49-F238E27FC236}">
+                <a16:creationId xmlns:a16="http://schemas.microsoft.com/office/drawing/2014/main" id="{6C1B19B9-C905-27CA-23DB-6D7C74BB73AD}"/>
               </a:ext>
             </a:extLst>
           </p:cNvPr>
@@ -5090,8 +5255,8 @@
         </p:nvSpPr>
         <p:spPr>
           <a:xfrm>
-            <a:off x="3187175" y="8641114"/>
-            <a:ext cx="902065" cy="253916"/>
+            <a:off x="1380534" y="8775325"/>
+            <a:ext cx="2004361" cy="230832"/>
           </a:xfrm>
           <a:prstGeom prst="rect">
             <a:avLst/>
@@ -5105,184 +5270,26 @@
           <a:lstStyle/>
           <a:p>
             <a:r>
-              <a:rPr lang="en-US" sz="1050" dirty="0">
-                <a:latin typeface="Arial" panose="020B0604020202020204" pitchFamily="34" charset="0"/>
-                <a:cs typeface="Arial" panose="020B0604020202020204" pitchFamily="34" charset="0"/>
-              </a:rPr>
-              <a:t>Aircraft :</a:t>
-            </a:r>
-            <a:endParaRPr lang="en-US" sz="1600" dirty="0">
-              <a:latin typeface="Arial" panose="020B0604020202020204" pitchFamily="34" charset="0"/>
-              <a:cs typeface="Arial" panose="020B0604020202020204" pitchFamily="34" charset="0"/>
-            </a:endParaRPr>
-          </a:p>
-        </p:txBody>
-      </p:sp>
-      <p:sp>
-        <p:nvSpPr>
-          <p:cNvPr id="29" name="TextBox 28">
-            <a:extLst>
-              <a:ext uri="{FF2B5EF4-FFF2-40B4-BE49-F238E27FC236}">
-                <a16:creationId xmlns:a16="http://schemas.microsoft.com/office/drawing/2014/main" id="{C8049081-09EE-2B0C-8DBD-C84E445456C4}"/>
-              </a:ext>
-            </a:extLst>
-          </p:cNvPr>
-          <p:cNvSpPr txBox="1"/>
-          <p:nvPr/>
-        </p:nvSpPr>
-        <p:spPr>
-          <a:xfrm>
-            <a:off x="3958501" y="8160112"/>
-            <a:ext cx="1125560" cy="230833"/>
-          </a:xfrm>
-          <a:prstGeom prst="rect">
-            <a:avLst/>
-          </a:prstGeom>
-          <a:noFill/>
-        </p:spPr>
-        <p:txBody>
-          <a:bodyPr wrap="square" rtlCol="0">
-            <a:spAutoFit/>
-          </a:bodyPr>
-          <a:lstStyle/>
-          <a:p>
-            <a:r>
               <a:rPr lang="en-US" sz="900" dirty="0">
                 <a:latin typeface="Arial" panose="020B0604020202020204" pitchFamily="34" charset="0"/>
                 <a:cs typeface="Arial" panose="020B0604020202020204" pitchFamily="34" charset="0"/>
               </a:rPr>
-              <a:t>OK(Confirmed)</a:t>
-            </a:r>
-            <a:endParaRPr lang="en-US" sz="1200" dirty="0">
-              <a:latin typeface="Arial" panose="020B0604020202020204" pitchFamily="34" charset="0"/>
-              <a:cs typeface="Arial" panose="020B0604020202020204" pitchFamily="34" charset="0"/>
-            </a:endParaRPr>
-          </a:p>
-        </p:txBody>
-      </p:sp>
-      <p:sp>
-        <p:nvSpPr>
-          <p:cNvPr id="33" name="TextBox 32">
-            <a:extLst>
-              <a:ext uri="{FF2B5EF4-FFF2-40B4-BE49-F238E27FC236}">
-                <a16:creationId xmlns:a16="http://schemas.microsoft.com/office/drawing/2014/main" id="{8F814573-09C4-3EA9-355B-FD5FF41416BE}"/>
-              </a:ext>
-            </a:extLst>
-          </p:cNvPr>
-          <p:cNvSpPr txBox="1"/>
-          <p:nvPr/>
-        </p:nvSpPr>
-        <p:spPr>
-          <a:xfrm>
-            <a:off x="3958501" y="8667270"/>
-            <a:ext cx="969651" cy="230832"/>
-          </a:xfrm>
-          <a:prstGeom prst="rect">
-            <a:avLst/>
-          </a:prstGeom>
-          <a:noFill/>
-        </p:spPr>
-        <p:txBody>
-          <a:bodyPr wrap="square" rtlCol="0">
-            <a:spAutoFit/>
-          </a:bodyPr>
-          <a:lstStyle/>
-          <a:p>
+              <a:t>{{</a:t>
+            </a:r>
+            <a:r>
+              <a:rPr lang="en-US" sz="900" dirty="0" err="1">
+                <a:latin typeface="Arial" panose="020B0604020202020204" pitchFamily="34" charset="0"/>
+                <a:cs typeface="Arial" panose="020B0604020202020204" pitchFamily="34" charset="0"/>
+              </a:rPr>
+              <a:t>Cabin_luggage</a:t>
+            </a:r>
             <a:r>
               <a:rPr lang="en-US" sz="900" dirty="0">
                 <a:latin typeface="Arial" panose="020B0604020202020204" pitchFamily="34" charset="0"/>
                 <a:cs typeface="Arial" panose="020B0604020202020204" pitchFamily="34" charset="0"/>
               </a:rPr>
-              <a:t>BOEING 737-8</a:t>
-            </a:r>
-            <a:endParaRPr lang="en-US" sz="1200" dirty="0">
-              <a:latin typeface="Arial" panose="020B0604020202020204" pitchFamily="34" charset="0"/>
-              <a:cs typeface="Arial" panose="020B0604020202020204" pitchFamily="34" charset="0"/>
-            </a:endParaRPr>
-          </a:p>
-        </p:txBody>
-      </p:sp>
-      <p:sp>
-        <p:nvSpPr>
-          <p:cNvPr id="35" name="TextBox 34">
-            <a:extLst>
-              <a:ext uri="{FF2B5EF4-FFF2-40B4-BE49-F238E27FC236}">
-                <a16:creationId xmlns:a16="http://schemas.microsoft.com/office/drawing/2014/main" id="{0E9CA9A9-D13E-A151-4A49-6358EB7F91AF}"/>
-              </a:ext>
-            </a:extLst>
-          </p:cNvPr>
-          <p:cNvSpPr txBox="1"/>
-          <p:nvPr/>
-        </p:nvSpPr>
-        <p:spPr>
-          <a:xfrm>
-            <a:off x="5000293" y="8357454"/>
-            <a:ext cx="969651" cy="253916"/>
-          </a:xfrm>
-          <a:prstGeom prst="rect">
-            <a:avLst/>
-          </a:prstGeom>
-          <a:noFill/>
-        </p:spPr>
-        <p:txBody>
-          <a:bodyPr wrap="square" rtlCol="0">
-            <a:spAutoFit/>
-          </a:bodyPr>
-          <a:lstStyle/>
-          <a:p>
-            <a:r>
-              <a:rPr lang="en-US" sz="1050" dirty="0">
-                <a:latin typeface="Arial" panose="020B0604020202020204" pitchFamily="34" charset="0"/>
-                <a:cs typeface="Arial" panose="020B0604020202020204" pitchFamily="34" charset="0"/>
-              </a:rPr>
-              <a:t>Flight Time :</a:t>
-            </a:r>
-            <a:endParaRPr lang="en-US" sz="1600" dirty="0">
-              <a:latin typeface="Arial" panose="020B0604020202020204" pitchFamily="34" charset="0"/>
-              <a:cs typeface="Arial" panose="020B0604020202020204" pitchFamily="34" charset="0"/>
-            </a:endParaRPr>
-          </a:p>
-        </p:txBody>
-      </p:sp>
-      <p:sp>
-        <p:nvSpPr>
-          <p:cNvPr id="40" name="TextBox 39">
-            <a:extLst>
-              <a:ext uri="{FF2B5EF4-FFF2-40B4-BE49-F238E27FC236}">
-                <a16:creationId xmlns:a16="http://schemas.microsoft.com/office/drawing/2014/main" id="{6C1B19B9-C905-27CA-23DB-6D7C74BB73AD}"/>
-              </a:ext>
-            </a:extLst>
-          </p:cNvPr>
-          <p:cNvSpPr txBox="1"/>
-          <p:nvPr/>
-        </p:nvSpPr>
-        <p:spPr>
-          <a:xfrm>
-            <a:off x="1380534" y="8775325"/>
-            <a:ext cx="2004361" cy="230832"/>
-          </a:xfrm>
-          <a:prstGeom prst="rect">
-            <a:avLst/>
-          </a:prstGeom>
-          <a:noFill/>
-        </p:spPr>
-        <p:txBody>
-          <a:bodyPr wrap="square" rtlCol="0">
-            <a:spAutoFit/>
-          </a:bodyPr>
-          <a:lstStyle/>
-          <a:p>
-            <a:r>
-              <a:rPr lang="en-US" sz="900" dirty="0">
-                <a:latin typeface="Arial" panose="020B0604020202020204" pitchFamily="34" charset="0"/>
-                <a:cs typeface="Arial" panose="020B0604020202020204" pitchFamily="34" charset="0"/>
-              </a:rPr>
-              <a:t>Cabin Luggage : 10kg</a:t>
-            </a:r>
-            <a:endParaRPr lang="en-US" sz="1200" dirty="0">
-              <a:latin typeface="Arial" panose="020B0604020202020204" pitchFamily="34" charset="0"/>
-              <a:cs typeface="Arial" panose="020B0604020202020204" pitchFamily="34" charset="0"/>
-            </a:endParaRPr>
+              <a:t>}}</a:t>
+            </a:r>
           </a:p>
         </p:txBody>
       </p:sp>
@@ -5541,7 +5548,7 @@
         </p:nvSpPr>
         <p:spPr>
           <a:xfrm>
-            <a:off x="510773" y="9500289"/>
+            <a:off x="510773" y="9370749"/>
             <a:ext cx="3439548" cy="253916"/>
           </a:xfrm>
           <a:prstGeom prst="rect">
@@ -5627,58 +5634,6 @@
       </p:sp>
       <p:sp>
         <p:nvSpPr>
-          <p:cNvPr id="32" name="TextBox 31">
-            <a:extLst>
-              <a:ext uri="{FF2B5EF4-FFF2-40B4-BE49-F238E27FC236}">
-                <a16:creationId xmlns:a16="http://schemas.microsoft.com/office/drawing/2014/main" id="{E559A9D0-EEF6-BA43-CA98-D74349C3C738}"/>
-              </a:ext>
-            </a:extLst>
-          </p:cNvPr>
-          <p:cNvSpPr txBox="1"/>
-          <p:nvPr/>
-        </p:nvSpPr>
-        <p:spPr>
-          <a:xfrm>
-            <a:off x="1987551" y="2537691"/>
-            <a:ext cx="1219192" cy="276999"/>
-          </a:xfrm>
-          <a:prstGeom prst="rect">
-            <a:avLst/>
-          </a:prstGeom>
-          <a:noFill/>
-        </p:spPr>
-        <p:txBody>
-          <a:bodyPr wrap="square" rtlCol="0">
-            <a:spAutoFit/>
-          </a:bodyPr>
-          <a:lstStyle/>
-          <a:p>
-            <a:r>
-              <a:rPr lang="en-US" sz="1200" dirty="0">
-                <a:latin typeface="Arial" panose="020B0604020202020204" pitchFamily="34" charset="0"/>
-                <a:cs typeface="Arial" panose="020B0604020202020204" pitchFamily="34" charset="0"/>
-              </a:rPr>
-              <a:t>{{</a:t>
-            </a:r>
-            <a:r>
-              <a:rPr lang="en-US" sz="1200" dirty="0" err="1">
-                <a:latin typeface="Arial" panose="020B0604020202020204" pitchFamily="34" charset="0"/>
-                <a:cs typeface="Arial" panose="020B0604020202020204" pitchFamily="34" charset="0"/>
-              </a:rPr>
-              <a:t>Ticket_Type</a:t>
-            </a:r>
-            <a:r>
-              <a:rPr lang="en-US" sz="1200" dirty="0">
-                <a:latin typeface="Arial" panose="020B0604020202020204" pitchFamily="34" charset="0"/>
-                <a:cs typeface="Arial" panose="020B0604020202020204" pitchFamily="34" charset="0"/>
-              </a:rPr>
-              <a:t>}}</a:t>
-            </a:r>
-          </a:p>
-        </p:txBody>
-      </p:sp>
-      <p:sp>
-        <p:nvSpPr>
           <p:cNvPr id="47" name="TextBox 46">
             <a:extLst>
               <a:ext uri="{FF2B5EF4-FFF2-40B4-BE49-F238E27FC236}">
@@ -5721,10 +5676,10 @@
       </p:sp>
       <p:sp>
         <p:nvSpPr>
-          <p:cNvPr id="52" name="TextBox 51">
-            <a:extLst>
-              <a:ext uri="{FF2B5EF4-FFF2-40B4-BE49-F238E27FC236}">
-                <a16:creationId xmlns:a16="http://schemas.microsoft.com/office/drawing/2014/main" id="{ACEE9D08-6E2B-0D82-F740-17C7792C12E1}"/>
+          <p:cNvPr id="55" name="TextBox 54">
+            <a:extLst>
+              <a:ext uri="{FF2B5EF4-FFF2-40B4-BE49-F238E27FC236}">
+                <a16:creationId xmlns:a16="http://schemas.microsoft.com/office/drawing/2014/main" id="{59353371-A693-D140-E4E7-D5BFDEF23CB6}"/>
               </a:ext>
             </a:extLst>
           </p:cNvPr>
@@ -5733,7 +5688,63 @@
         </p:nvSpPr>
         <p:spPr>
           <a:xfrm>
-            <a:off x="1601670" y="9188448"/>
+            <a:off x="323238" y="2604323"/>
+            <a:ext cx="1743374" cy="261610"/>
+          </a:xfrm>
+          <a:prstGeom prst="rect">
+            <a:avLst/>
+          </a:prstGeom>
+          <a:noFill/>
+        </p:spPr>
+        <p:txBody>
+          <a:bodyPr wrap="square">
+            <a:spAutoFit/>
+          </a:bodyPr>
+          <a:lstStyle/>
+          <a:p>
+            <a:r>
+              <a:rPr lang="en-US" sz="1100" dirty="0">
+                <a:latin typeface="Arial" panose="020B0604020202020204" pitchFamily="34" charset="0"/>
+                <a:cs typeface="Arial" panose="020B0604020202020204" pitchFamily="34" charset="0"/>
+              </a:rPr>
+              <a:t>{{</a:t>
+            </a:r>
+            <a:r>
+              <a:rPr lang="en-US" sz="1100" dirty="0" err="1">
+                <a:latin typeface="Arial" panose="020B0604020202020204" pitchFamily="34" charset="0"/>
+                <a:cs typeface="Arial" panose="020B0604020202020204" pitchFamily="34" charset="0"/>
+              </a:rPr>
+              <a:t>PAX_name</a:t>
+            </a:r>
+            <a:r>
+              <a:rPr lang="en-US" sz="1100" dirty="0">
+                <a:latin typeface="Arial" panose="020B0604020202020204" pitchFamily="34" charset="0"/>
+                <a:cs typeface="Arial" panose="020B0604020202020204" pitchFamily="34" charset="0"/>
+              </a:rPr>
+              <a:t>}}</a:t>
+            </a:r>
+            <a:endParaRPr lang="en-US" sz="1400" dirty="0">
+              <a:latin typeface="Arial" panose="020B0604020202020204" pitchFamily="34" charset="0"/>
+              <a:cs typeface="Arial" panose="020B0604020202020204" pitchFamily="34" charset="0"/>
+            </a:endParaRPr>
+          </a:p>
+        </p:txBody>
+      </p:sp>
+      <p:sp>
+        <p:nvSpPr>
+          <p:cNvPr id="32" name="TextBox 31">
+            <a:extLst>
+              <a:ext uri="{FF2B5EF4-FFF2-40B4-BE49-F238E27FC236}">
+                <a16:creationId xmlns:a16="http://schemas.microsoft.com/office/drawing/2014/main" id="{2FFFCE9B-A7B7-DEED-0112-C34E39CCF4DF}"/>
+              </a:ext>
+            </a:extLst>
+          </p:cNvPr>
+          <p:cNvSpPr txBox="1"/>
+          <p:nvPr/>
+        </p:nvSpPr>
+        <p:spPr>
+          <a:xfrm>
+            <a:off x="1621033" y="9127162"/>
             <a:ext cx="1640498" cy="276999"/>
           </a:xfrm>
           <a:prstGeom prst="rect">
@@ -5766,7 +5777,7 @@
                 <a:latin typeface="Arial" panose="020B0604020202020204" pitchFamily="34" charset="0"/>
                 <a:cs typeface="Arial" panose="020B0604020202020204" pitchFamily="34" charset="0"/>
               </a:rPr>
-              <a:t>{{EMD1}}</a:t>
+              <a:t>{{EMD2}}</a:t>
             </a:r>
             <a:endParaRPr lang="en-US" sz="1600" dirty="0">
               <a:latin typeface="Arial" panose="020B0604020202020204" pitchFamily="34" charset="0"/>
@@ -5777,10 +5788,10 @@
       </p:sp>
       <p:sp>
         <p:nvSpPr>
-          <p:cNvPr id="54" name="TextBox 53">
-            <a:extLst>
-              <a:ext uri="{FF2B5EF4-FFF2-40B4-BE49-F238E27FC236}">
-                <a16:creationId xmlns:a16="http://schemas.microsoft.com/office/drawing/2014/main" id="{FE279261-5A6B-A7F4-7927-65710FD4C70B}"/>
+          <p:cNvPr id="52" name="TextBox 51">
+            <a:extLst>
+              <a:ext uri="{FF2B5EF4-FFF2-40B4-BE49-F238E27FC236}">
+                <a16:creationId xmlns:a16="http://schemas.microsoft.com/office/drawing/2014/main" id="{E64B85FC-B9DA-7006-B26A-4D41DCE784AF}"/>
               </a:ext>
             </a:extLst>
           </p:cNvPr>
@@ -5789,7 +5800,7 @@
         </p:nvSpPr>
         <p:spPr>
           <a:xfrm>
-            <a:off x="560161" y="9201547"/>
+            <a:off x="579524" y="9140261"/>
             <a:ext cx="1128412" cy="253902"/>
           </a:xfrm>
           <a:prstGeom prst="rect">
